--- a/企画書.pptx
+++ b/企画書.pptx
@@ -107,6 +107,11 @@
       </a:defRPr>
     </a:lvl9pPr>
   </p:defaultTextStyle>
+  <p:extLst>
+    <p:ext uri="{EFAFB233-063F-42B5-8137-9DF3F51BA10A}">
+      <p15:sldGuideLst xmlns:p15="http://schemas.microsoft.com/office/powerpoint/2012/main"/>
+    </p:ext>
+  </p:extLst>
 </p:presentation>
 </file>
 
@@ -241,7 +246,7 @@
           <a:p>
             <a:fld id="{E608CEC1-9D6C-4613-8D4D-1D548114DFCF}" type="datetimeFigureOut">
               <a:rPr kumimoji="1" lang="ja-JP" altLang="en-US" smtClean="0"/>
-              <a:t>2024/12/10</a:t>
+              <a:t>2024/12/11</a:t>
             </a:fld>
             <a:endParaRPr kumimoji="1" lang="ja-JP" altLang="en-US"/>
           </a:p>
@@ -443,7 +448,7 @@
           <a:p>
             <a:fld id="{E608CEC1-9D6C-4613-8D4D-1D548114DFCF}" type="datetimeFigureOut">
               <a:rPr kumimoji="1" lang="ja-JP" altLang="en-US" smtClean="0"/>
-              <a:t>2024/12/10</a:t>
+              <a:t>2024/12/11</a:t>
             </a:fld>
             <a:endParaRPr kumimoji="1" lang="ja-JP" altLang="en-US"/>
           </a:p>
@@ -655,7 +660,7 @@
           <a:p>
             <a:fld id="{E608CEC1-9D6C-4613-8D4D-1D548114DFCF}" type="datetimeFigureOut">
               <a:rPr kumimoji="1" lang="ja-JP" altLang="en-US" smtClean="0"/>
-              <a:t>2024/12/10</a:t>
+              <a:t>2024/12/11</a:t>
             </a:fld>
             <a:endParaRPr kumimoji="1" lang="ja-JP" altLang="en-US"/>
           </a:p>
@@ -857,7 +862,7 @@
           <a:p>
             <a:fld id="{E608CEC1-9D6C-4613-8D4D-1D548114DFCF}" type="datetimeFigureOut">
               <a:rPr kumimoji="1" lang="ja-JP" altLang="en-US" smtClean="0"/>
-              <a:t>2024/12/10</a:t>
+              <a:t>2024/12/11</a:t>
             </a:fld>
             <a:endParaRPr kumimoji="1" lang="ja-JP" altLang="en-US"/>
           </a:p>
@@ -1103,7 +1108,7 @@
           <a:p>
             <a:fld id="{E608CEC1-9D6C-4613-8D4D-1D548114DFCF}" type="datetimeFigureOut">
               <a:rPr kumimoji="1" lang="ja-JP" altLang="en-US" smtClean="0"/>
-              <a:t>2024/12/10</a:t>
+              <a:t>2024/12/11</a:t>
             </a:fld>
             <a:endParaRPr kumimoji="1" lang="ja-JP" altLang="en-US"/>
           </a:p>
@@ -1399,7 +1404,7 @@
           <a:p>
             <a:fld id="{E608CEC1-9D6C-4613-8D4D-1D548114DFCF}" type="datetimeFigureOut">
               <a:rPr kumimoji="1" lang="ja-JP" altLang="en-US" smtClean="0"/>
-              <a:t>2024/12/10</a:t>
+              <a:t>2024/12/11</a:t>
             </a:fld>
             <a:endParaRPr kumimoji="1" lang="ja-JP" altLang="en-US"/>
           </a:p>
@@ -1830,7 +1835,7 @@
           <a:p>
             <a:fld id="{E608CEC1-9D6C-4613-8D4D-1D548114DFCF}" type="datetimeFigureOut">
               <a:rPr kumimoji="1" lang="ja-JP" altLang="en-US" smtClean="0"/>
-              <a:t>2024/12/10</a:t>
+              <a:t>2024/12/11</a:t>
             </a:fld>
             <a:endParaRPr kumimoji="1" lang="ja-JP" altLang="en-US"/>
           </a:p>
@@ -1948,7 +1953,7 @@
           <a:p>
             <a:fld id="{E608CEC1-9D6C-4613-8D4D-1D548114DFCF}" type="datetimeFigureOut">
               <a:rPr kumimoji="1" lang="ja-JP" altLang="en-US" smtClean="0"/>
-              <a:t>2024/12/10</a:t>
+              <a:t>2024/12/11</a:t>
             </a:fld>
             <a:endParaRPr kumimoji="1" lang="ja-JP" altLang="en-US"/>
           </a:p>
@@ -2043,7 +2048,7 @@
           <a:p>
             <a:fld id="{E608CEC1-9D6C-4613-8D4D-1D548114DFCF}" type="datetimeFigureOut">
               <a:rPr kumimoji="1" lang="ja-JP" altLang="en-US" smtClean="0"/>
-              <a:t>2024/12/10</a:t>
+              <a:t>2024/12/11</a:t>
             </a:fld>
             <a:endParaRPr kumimoji="1" lang="ja-JP" altLang="en-US"/>
           </a:p>
@@ -2352,7 +2357,7 @@
           <a:p>
             <a:fld id="{E608CEC1-9D6C-4613-8D4D-1D548114DFCF}" type="datetimeFigureOut">
               <a:rPr kumimoji="1" lang="ja-JP" altLang="en-US" smtClean="0"/>
-              <a:t>2024/12/10</a:t>
+              <a:t>2024/12/11</a:t>
             </a:fld>
             <a:endParaRPr kumimoji="1" lang="ja-JP" altLang="en-US"/>
           </a:p>
@@ -2605,7 +2610,7 @@
           <a:p>
             <a:fld id="{E608CEC1-9D6C-4613-8D4D-1D548114DFCF}" type="datetimeFigureOut">
               <a:rPr kumimoji="1" lang="ja-JP" altLang="en-US" smtClean="0"/>
-              <a:t>2024/12/10</a:t>
+              <a:t>2024/12/11</a:t>
             </a:fld>
             <a:endParaRPr kumimoji="1" lang="ja-JP" altLang="en-US"/>
           </a:p>
@@ -2850,7 +2855,7 @@
           <a:p>
             <a:fld id="{E608CEC1-9D6C-4613-8D4D-1D548114DFCF}" type="datetimeFigureOut">
               <a:rPr kumimoji="1" lang="ja-JP" altLang="en-US" smtClean="0"/>
-              <a:t>2024/12/10</a:t>
+              <a:t>2024/12/11</a:t>
             </a:fld>
             <a:endParaRPr kumimoji="1" lang="ja-JP" altLang="en-US"/>
           </a:p>
@@ -3397,8 +3402,8 @@
         </p:blipFill>
         <p:spPr>
           <a:xfrm>
-            <a:off x="-18205" y="4663440"/>
-            <a:ext cx="5717118" cy="2297430"/>
+            <a:off x="0" y="3937557"/>
+            <a:ext cx="7462345" cy="2884916"/>
           </a:xfrm>
           <a:prstGeom prst="rect">
             <a:avLst/>
@@ -3413,8 +3418,8 @@
         </p:nvSpPr>
         <p:spPr>
           <a:xfrm>
-            <a:off x="762988" y="5293340"/>
-            <a:ext cx="4172937" cy="1200329"/>
+            <a:off x="1007849" y="4683090"/>
+            <a:ext cx="6065613" cy="1569660"/>
           </a:xfrm>
           <a:prstGeom prst="rect">
             <a:avLst/>
@@ -3422,74 +3427,108 @@
           <a:noFill/>
         </p:spPr>
         <p:txBody>
-          <a:bodyPr wrap="none" rtlCol="0">
+          <a:bodyPr wrap="square" rtlCol="0">
             <a:spAutoFit/>
           </a:bodyPr>
           <a:lstStyle/>
           <a:p>
             <a:r>
-              <a:rPr kumimoji="1" lang="ja-JP" altLang="en-US" dirty="0" smtClean="0"/>
+              <a:rPr kumimoji="1" lang="ja-JP" altLang="en-US" sz="2400" b="1" dirty="0" smtClean="0"/>
               <a:t>タイトル：</a:t>
             </a:r>
             <a:r>
-              <a:rPr kumimoji="1" lang="en-US" altLang="ja-JP" dirty="0" err="1" smtClean="0"/>
+              <a:rPr kumimoji="1" lang="en-US" altLang="ja-JP" sz="2400" b="1" dirty="0" err="1" smtClean="0"/>
               <a:t>Middle_War</a:t>
             </a:r>
             <a:r>
-              <a:rPr kumimoji="1" lang="en-US" altLang="ja-JP" dirty="0" smtClean="0"/>
+              <a:rPr kumimoji="1" lang="en-US" altLang="ja-JP" sz="2400" b="1" dirty="0" smtClean="0"/>
               <a:t>(</a:t>
             </a:r>
             <a:r>
-              <a:rPr kumimoji="1" lang="ja-JP" altLang="en-US" dirty="0" smtClean="0"/>
+              <a:rPr kumimoji="1" lang="ja-JP" altLang="en-US" sz="2400" b="1" dirty="0" smtClean="0"/>
               <a:t>みどるうぉー</a:t>
             </a:r>
             <a:r>
-              <a:rPr kumimoji="1" lang="en-US" altLang="ja-JP" dirty="0" smtClean="0"/>
+              <a:rPr kumimoji="1" lang="en-US" altLang="ja-JP" sz="2400" b="1" dirty="0" smtClean="0"/>
               <a:t>)</a:t>
             </a:r>
           </a:p>
           <a:p>
             <a:r>
-              <a:rPr kumimoji="1" lang="ja-JP" altLang="en-US" dirty="0" smtClean="0"/>
-              <a:t>ジャンル：タワーディフェンス</a:t>
-            </a:r>
-            <a:endParaRPr kumimoji="1" lang="en-US" altLang="ja-JP" dirty="0" smtClean="0"/>
-          </a:p>
-          <a:p>
-            <a:r>
-              <a:rPr kumimoji="1" lang="ja-JP" altLang="en-US" dirty="0" smtClean="0"/>
+              <a:rPr kumimoji="1" lang="ja-JP" altLang="en-US" sz="2400" b="1" dirty="0" smtClean="0"/>
+              <a:t>ジャンル：</a:t>
+            </a:r>
+            <a:r>
+              <a:rPr lang="ja-JP" altLang="en-US" sz="2400" b="1" dirty="0" smtClean="0"/>
+              <a:t>ターン制ストラテジー</a:t>
+            </a:r>
+            <a:endParaRPr kumimoji="1" lang="en-US" altLang="ja-JP" sz="2400" b="1" dirty="0" smtClean="0"/>
+          </a:p>
+          <a:p>
+            <a:r>
+              <a:rPr kumimoji="1" lang="ja-JP" altLang="en-US" sz="2400" b="1" dirty="0" smtClean="0"/>
               <a:t>プレイ人数：</a:t>
             </a:r>
             <a:r>
-              <a:rPr kumimoji="1" lang="en-US" altLang="ja-JP" dirty="0" smtClean="0"/>
+              <a:rPr kumimoji="1" lang="en-US" altLang="ja-JP" sz="2400" b="1" dirty="0" smtClean="0"/>
               <a:t>1</a:t>
             </a:r>
             <a:r>
-              <a:rPr kumimoji="1" lang="ja-JP" altLang="en-US" dirty="0" smtClean="0"/>
+              <a:rPr kumimoji="1" lang="ja-JP" altLang="en-US" sz="2400" b="1" dirty="0" smtClean="0"/>
               <a:t>～</a:t>
             </a:r>
             <a:r>
-              <a:rPr kumimoji="1" lang="en-US" altLang="ja-JP" dirty="0" smtClean="0"/>
+              <a:rPr kumimoji="1" lang="en-US" altLang="ja-JP" sz="2400" b="1" dirty="0" smtClean="0"/>
               <a:t>2</a:t>
             </a:r>
             <a:r>
-              <a:rPr kumimoji="1" lang="ja-JP" altLang="en-US" dirty="0" smtClean="0"/>
+              <a:rPr kumimoji="1" lang="ja-JP" altLang="en-US" sz="2400" b="1" dirty="0" smtClean="0"/>
               <a:t>人</a:t>
             </a:r>
-            <a:endParaRPr kumimoji="1" lang="en-US" altLang="ja-JP" dirty="0" smtClean="0"/>
-          </a:p>
-          <a:p>
-            <a:r>
-              <a:rPr kumimoji="1" lang="ja-JP" altLang="en-US" dirty="0" smtClean="0"/>
+            <a:endParaRPr kumimoji="1" lang="en-US" altLang="ja-JP" sz="2400" b="1" dirty="0" smtClean="0"/>
+          </a:p>
+          <a:p>
+            <a:r>
+              <a:rPr kumimoji="1" lang="ja-JP" altLang="en-US" sz="2400" b="1" dirty="0" smtClean="0"/>
               <a:t>ハード：</a:t>
             </a:r>
             <a:r>
-              <a:rPr kumimoji="1" lang="en-US" altLang="ja-JP" dirty="0" smtClean="0"/>
+              <a:rPr kumimoji="1" lang="en-US" altLang="ja-JP" sz="2400" b="1" dirty="0" smtClean="0"/>
               <a:t>PC</a:t>
             </a:r>
           </a:p>
         </p:txBody>
       </p:sp>
+      <p:pic>
+        <p:nvPicPr>
+          <p:cNvPr id="2" name="図 1"/>
+          <p:cNvPicPr>
+            <a:picLocks noChangeAspect="1"/>
+          </p:cNvPicPr>
+          <p:nvPr/>
+        </p:nvPicPr>
+        <p:blipFill>
+          <a:blip r:embed="rId4" cstate="print">
+            <a:extLst>
+              <a:ext uri="{28A0092B-C50C-407E-A947-70E740481C1C}">
+                <a14:useLocalDpi xmlns:a14="http://schemas.microsoft.com/office/drawing/2010/main" val="0"/>
+              </a:ext>
+            </a:extLst>
+          </a:blip>
+          <a:stretch>
+            <a:fillRect/>
+          </a:stretch>
+        </p:blipFill>
+        <p:spPr>
+          <a:xfrm>
+            <a:off x="1602827" y="-72314"/>
+            <a:ext cx="8776138" cy="4388070"/>
+          </a:xfrm>
+          <a:prstGeom prst="rect">
+            <a:avLst/>
+          </a:prstGeom>
+        </p:spPr>
+      </p:pic>
     </p:spTree>
     <p:extLst>
       <p:ext uri="{BB962C8B-B14F-4D97-AF65-F5344CB8AC3E}">
@@ -3500,6 +3539,13 @@
   <p:clrMapOvr>
     <a:masterClrMapping/>
   </p:clrMapOvr>
+  <p:timing>
+    <p:tnLst>
+      <p:par>
+        <p:cTn id="1" dur="indefinite" restart="never" nodeType="tmRoot"/>
+      </p:par>
+    </p:tnLst>
+  </p:timing>
 </p:sld>
 </file>
 
@@ -3640,6 +3686,225 @@
           </a:prstGeom>
         </p:spPr>
       </p:pic>
+      <p:pic>
+        <p:nvPicPr>
+          <p:cNvPr id="8" name="図 7"/>
+          <p:cNvPicPr>
+            <a:picLocks noChangeAspect="1"/>
+          </p:cNvPicPr>
+          <p:nvPr/>
+        </p:nvPicPr>
+        <p:blipFill>
+          <a:blip r:embed="rId3" cstate="print">
+            <a:extLst>
+              <a:ext uri="{28A0092B-C50C-407E-A947-70E740481C1C}">
+                <a14:useLocalDpi xmlns:a14="http://schemas.microsoft.com/office/drawing/2010/main" val="0"/>
+              </a:ext>
+            </a:extLst>
+          </a:blip>
+          <a:stretch>
+            <a:fillRect/>
+          </a:stretch>
+        </p:blipFill>
+        <p:spPr>
+          <a:xfrm>
+            <a:off x="7389508" y="315357"/>
+            <a:ext cx="4607099" cy="3554419"/>
+          </a:xfrm>
+          <a:prstGeom prst="rect">
+            <a:avLst/>
+          </a:prstGeom>
+        </p:spPr>
+      </p:pic>
+      <p:sp>
+        <p:nvSpPr>
+          <p:cNvPr id="2" name="テキスト ボックス 1"/>
+          <p:cNvSpPr txBox="1"/>
+          <p:nvPr/>
+        </p:nvSpPr>
+        <p:spPr>
+          <a:xfrm>
+            <a:off x="201528" y="155733"/>
+            <a:ext cx="4137510" cy="1015663"/>
+          </a:xfrm>
+          <a:prstGeom prst="rect">
+            <a:avLst/>
+          </a:prstGeom>
+          <a:noFill/>
+        </p:spPr>
+        <p:txBody>
+          <a:bodyPr wrap="square" rtlCol="0">
+            <a:spAutoFit/>
+          </a:bodyPr>
+          <a:lstStyle/>
+          <a:p>
+            <a:pPr algn="ctr"/>
+            <a:r>
+              <a:rPr kumimoji="1" lang="ja-JP" altLang="en-US" sz="6000" b="1" u="sng" dirty="0" smtClean="0">
+                <a:latin typeface="HG行書体" panose="03000609000000000000" pitchFamily="65" charset="-128"/>
+                <a:ea typeface="HG行書体" panose="03000609000000000000" pitchFamily="65" charset="-128"/>
+              </a:rPr>
+              <a:t>コンセプト</a:t>
+            </a:r>
+            <a:endParaRPr kumimoji="1" lang="ja-JP" altLang="en-US" sz="6000" b="1" u="sng" dirty="0">
+              <a:latin typeface="HG行書体" panose="03000609000000000000" pitchFamily="65" charset="-128"/>
+              <a:ea typeface="HG行書体" panose="03000609000000000000" pitchFamily="65" charset="-128"/>
+            </a:endParaRPr>
+          </a:p>
+        </p:txBody>
+      </p:sp>
+      <p:sp>
+        <p:nvSpPr>
+          <p:cNvPr id="3" name="テキスト ボックス 2"/>
+          <p:cNvSpPr txBox="1"/>
+          <p:nvPr/>
+        </p:nvSpPr>
+        <p:spPr>
+          <a:xfrm>
+            <a:off x="329910" y="4567311"/>
+            <a:ext cx="7007046" cy="954107"/>
+          </a:xfrm>
+          <a:prstGeom prst="rect">
+            <a:avLst/>
+          </a:prstGeom>
+          <a:noFill/>
+        </p:spPr>
+        <p:txBody>
+          <a:bodyPr wrap="none" rtlCol="0">
+            <a:spAutoFit/>
+          </a:bodyPr>
+          <a:lstStyle/>
+          <a:p>
+            <a:r>
+              <a:rPr kumimoji="1" lang="ja-JP" altLang="en-US" sz="2800" b="1" dirty="0" smtClean="0"/>
+              <a:t>ゲームが得意な人・苦手な人でも、</a:t>
+            </a:r>
+            <a:endParaRPr kumimoji="1" lang="en-US" altLang="ja-JP" sz="2800" b="1" dirty="0" smtClean="0"/>
+          </a:p>
+          <a:p>
+            <a:r>
+              <a:rPr kumimoji="1" lang="ja-JP" altLang="en-US" sz="2800" b="1" dirty="0" smtClean="0"/>
+              <a:t>簡単に遊べるターン制ストラテジーゲーム</a:t>
+            </a:r>
+            <a:endParaRPr kumimoji="1" lang="ja-JP" altLang="en-US" sz="2800" b="1" dirty="0"/>
+          </a:p>
+        </p:txBody>
+      </p:sp>
+      <p:sp>
+        <p:nvSpPr>
+          <p:cNvPr id="10" name="テキスト ボックス 9"/>
+          <p:cNvSpPr txBox="1"/>
+          <p:nvPr/>
+        </p:nvSpPr>
+        <p:spPr>
+          <a:xfrm>
+            <a:off x="640072" y="2023117"/>
+            <a:ext cx="6257372" cy="1846659"/>
+          </a:xfrm>
+          <a:prstGeom prst="rect">
+            <a:avLst/>
+          </a:prstGeom>
+          <a:noFill/>
+        </p:spPr>
+        <p:txBody>
+          <a:bodyPr vert="horz" wrap="square" rtlCol="0">
+            <a:spAutoFit/>
+          </a:bodyPr>
+          <a:lstStyle/>
+          <a:p>
+            <a:r>
+              <a:rPr lang="ja-JP" altLang="en-US" sz="6000" dirty="0" smtClean="0">
+                <a:latin typeface="HGS創英ﾌﾟﾚｾﾞﾝｽEB" panose="02020800000000000000" pitchFamily="18" charset="-128"/>
+                <a:ea typeface="HGS創英ﾌﾟﾚｾﾞﾝｽEB" panose="02020800000000000000" pitchFamily="18" charset="-128"/>
+              </a:rPr>
+              <a:t>緊張感</a:t>
+            </a:r>
+            <a:r>
+              <a:rPr lang="ja-JP" altLang="en-US" sz="5400" b="1" dirty="0" smtClean="0"/>
+              <a:t>と</a:t>
+            </a:r>
+            <a:r>
+              <a:rPr lang="ja-JP" altLang="en-US" sz="6000" b="1" dirty="0" smtClean="0">
+                <a:latin typeface="HGP明朝E" panose="02020900000000000000" pitchFamily="18" charset="-128"/>
+                <a:ea typeface="HGP明朝E" panose="02020900000000000000" pitchFamily="18" charset="-128"/>
+              </a:rPr>
+              <a:t>達成感</a:t>
+            </a:r>
+            <a:r>
+              <a:rPr lang="ja-JP" altLang="en-US" sz="5400" b="1" dirty="0" smtClean="0"/>
+              <a:t>を</a:t>
+            </a:r>
+            <a:endParaRPr lang="en-US" altLang="ja-JP" sz="5400" b="1" dirty="0" smtClean="0"/>
+          </a:p>
+          <a:p>
+            <a:r>
+              <a:rPr lang="ja-JP" altLang="en-US" sz="5400" b="1" dirty="0" smtClean="0"/>
+              <a:t>　何度も楽しめる</a:t>
+            </a:r>
+            <a:endParaRPr lang="en-US" altLang="ja-JP" sz="5400" b="1" dirty="0"/>
+          </a:p>
+        </p:txBody>
+      </p:sp>
+      <p:sp>
+        <p:nvSpPr>
+          <p:cNvPr id="12" name="テキスト ボックス 11"/>
+          <p:cNvSpPr txBox="1"/>
+          <p:nvPr/>
+        </p:nvSpPr>
+        <p:spPr>
+          <a:xfrm>
+            <a:off x="8155358" y="1469502"/>
+            <a:ext cx="3024472" cy="369332"/>
+          </a:xfrm>
+          <a:prstGeom prst="rect">
+            <a:avLst/>
+          </a:prstGeom>
+          <a:noFill/>
+        </p:spPr>
+        <p:txBody>
+          <a:bodyPr wrap="square" rtlCol="0">
+            <a:spAutoFit/>
+          </a:bodyPr>
+          <a:lstStyle/>
+          <a:p>
+            <a:r>
+              <a:rPr kumimoji="1" lang="ja-JP" altLang="en-US" dirty="0" smtClean="0"/>
+              <a:t>操作が簡単・焦らず遊べる</a:t>
+            </a:r>
+            <a:endParaRPr kumimoji="1" lang="en-US" altLang="ja-JP" dirty="0" smtClean="0"/>
+          </a:p>
+        </p:txBody>
+      </p:sp>
+      <p:sp>
+        <p:nvSpPr>
+          <p:cNvPr id="13" name="テキスト ボックス 12"/>
+          <p:cNvSpPr txBox="1"/>
+          <p:nvPr/>
+        </p:nvSpPr>
+        <p:spPr>
+          <a:xfrm>
+            <a:off x="8169932" y="2092566"/>
+            <a:ext cx="2660452" cy="369332"/>
+          </a:xfrm>
+          <a:prstGeom prst="rect">
+            <a:avLst/>
+          </a:prstGeom>
+          <a:noFill/>
+        </p:spPr>
+        <p:txBody>
+          <a:bodyPr wrap="square" rtlCol="0">
+            <a:spAutoFit/>
+          </a:bodyPr>
+          <a:lstStyle/>
+          <a:p>
+            <a:r>
+              <a:rPr kumimoji="1" lang="ja-JP" altLang="en-US" dirty="0" smtClean="0"/>
+              <a:t>シンプルなルール</a:t>
+            </a:r>
+            <a:endParaRPr kumimoji="1" lang="ja-JP" altLang="en-US" dirty="0"/>
+          </a:p>
+        </p:txBody>
+      </p:sp>
     </p:spTree>
     <p:extLst>
       <p:ext uri="{BB962C8B-B14F-4D97-AF65-F5344CB8AC3E}">
@@ -3650,6 +3915,13 @@
   <p:clrMapOvr>
     <a:masterClrMapping/>
   </p:clrMapOvr>
+  <p:timing>
+    <p:tnLst>
+      <p:par>
+        <p:cTn id="1" dur="indefinite" restart="never" nodeType="tmRoot"/>
+      </p:par>
+    </p:tnLst>
+  </p:timing>
 </p:sld>
 </file>
 
@@ -3800,6 +4072,13 @@
   <p:clrMapOvr>
     <a:masterClrMapping/>
   </p:clrMapOvr>
+  <p:timing>
+    <p:tnLst>
+      <p:par>
+        <p:cTn id="1" dur="indefinite" restart="never" nodeType="tmRoot"/>
+      </p:par>
+    </p:tnLst>
+  </p:timing>
 </p:sld>
 </file>
 
@@ -3950,6 +4229,13 @@
   <p:clrMapOvr>
     <a:masterClrMapping/>
   </p:clrMapOvr>
+  <p:timing>
+    <p:tnLst>
+      <p:par>
+        <p:cTn id="1" dur="indefinite" restart="never" nodeType="tmRoot"/>
+      </p:par>
+    </p:tnLst>
+  </p:timing>
 </p:sld>
 </file>
 
